--- a/demo make figures presentation.pptx
+++ b/demo make figures presentation.pptx
@@ -7568,8 +7568,8 @@
           </a:prstGeom>
         </p:spPr>
       </p:pic>
-      <mc:AlternateContent xmlns:mc="http://schemas.openxmlformats.org/markup-compatibility/2006">
-        <mc:Choice xmlns:p14="http://schemas.microsoft.com/office/powerpoint/2010/main" Requires="p14">
+      <mc:AlternateContent xmlns:mc="http://schemas.openxmlformats.org/markup-compatibility/2006" xmlns:p14="http://schemas.microsoft.com/office/powerpoint/2010/main">
+        <mc:Choice Requires="p14">
           <p:contentPart p14:bwMode="auto" r:id="rId3">
             <p14:nvContentPartPr>
               <p14:cNvPr id="7" name="Ink 6">
@@ -7588,7 +7588,7 @@
             </p14:xfrm>
           </p:contentPart>
         </mc:Choice>
-        <mc:Fallback>
+        <mc:Fallback xmlns="">
           <p:pic>
             <p:nvPicPr>
               <p:cNvPr id="7" name="Ink 6">
@@ -7619,8 +7619,8 @@
           </p:pic>
         </mc:Fallback>
       </mc:AlternateContent>
-      <mc:AlternateContent xmlns:mc="http://schemas.openxmlformats.org/markup-compatibility/2006">
-        <mc:Choice xmlns:p14="http://schemas.microsoft.com/office/powerpoint/2010/main" Requires="p14">
+      <mc:AlternateContent xmlns:mc="http://schemas.openxmlformats.org/markup-compatibility/2006" xmlns:p14="http://schemas.microsoft.com/office/powerpoint/2010/main">
+        <mc:Choice Requires="p14">
           <p:contentPart p14:bwMode="auto" r:id="rId5">
             <p14:nvContentPartPr>
               <p14:cNvPr id="8" name="Ink 7">
@@ -7639,7 +7639,7 @@
             </p14:xfrm>
           </p:contentPart>
         </mc:Choice>
-        <mc:Fallback>
+        <mc:Fallback xmlns="">
           <p:pic>
             <p:nvPicPr>
               <p:cNvPr id="8" name="Ink 7">
@@ -7670,8 +7670,8 @@
           </p:pic>
         </mc:Fallback>
       </mc:AlternateContent>
-      <mc:AlternateContent xmlns:mc="http://schemas.openxmlformats.org/markup-compatibility/2006">
-        <mc:Choice xmlns:p14="http://schemas.microsoft.com/office/powerpoint/2010/main" Requires="p14">
+      <mc:AlternateContent xmlns:mc="http://schemas.openxmlformats.org/markup-compatibility/2006" xmlns:p14="http://schemas.microsoft.com/office/powerpoint/2010/main">
+        <mc:Choice Requires="p14">
           <p:contentPart p14:bwMode="auto" r:id="rId7">
             <p14:nvContentPartPr>
               <p14:cNvPr id="9" name="Ink 8">
@@ -7690,7 +7690,7 @@
             </p14:xfrm>
           </p:contentPart>
         </mc:Choice>
-        <mc:Fallback>
+        <mc:Fallback xmlns="">
           <p:pic>
             <p:nvPicPr>
               <p:cNvPr id="9" name="Ink 8">
@@ -7721,8 +7721,8 @@
           </p:pic>
         </mc:Fallback>
       </mc:AlternateContent>
-      <mc:AlternateContent xmlns:mc="http://schemas.openxmlformats.org/markup-compatibility/2006">
-        <mc:Choice xmlns:p14="http://schemas.microsoft.com/office/powerpoint/2010/main" Requires="p14">
+      <mc:AlternateContent xmlns:mc="http://schemas.openxmlformats.org/markup-compatibility/2006" xmlns:p14="http://schemas.microsoft.com/office/powerpoint/2010/main">
+        <mc:Choice Requires="p14">
           <p:contentPart p14:bwMode="auto" r:id="rId8">
             <p14:nvContentPartPr>
               <p14:cNvPr id="10" name="Ink 9">
@@ -7741,7 +7741,7 @@
             </p14:xfrm>
           </p:contentPart>
         </mc:Choice>
-        <mc:Fallback>
+        <mc:Fallback xmlns="">
           <p:pic>
             <p:nvPicPr>
               <p:cNvPr id="10" name="Ink 9">
